--- a/root_group_analyses/Figures_031120.pptx
+++ b/root_group_analyses/Figures_031120.pptx
@@ -4,18 +4,22 @@
   <p:sldMasterIdLst>
     <p:sldMasterId id="2147483648" r:id="rId1"/>
   </p:sldMasterIdLst>
+  <p:notesMasterIdLst>
+    <p:notesMasterId r:id="rId14"/>
+  </p:notesMasterIdLst>
   <p:sldIdLst>
     <p:sldId id="256" r:id="rId2"/>
-    <p:sldId id="257" r:id="rId3"/>
-    <p:sldId id="259" r:id="rId4"/>
-    <p:sldId id="260" r:id="rId5"/>
-    <p:sldId id="262" r:id="rId6"/>
-    <p:sldId id="261" r:id="rId7"/>
-    <p:sldId id="264" r:id="rId8"/>
-    <p:sldId id="266" r:id="rId9"/>
-    <p:sldId id="265" r:id="rId10"/>
-    <p:sldId id="263" r:id="rId11"/>
-    <p:sldId id="267" r:id="rId12"/>
+    <p:sldId id="268" r:id="rId3"/>
+    <p:sldId id="257" r:id="rId4"/>
+    <p:sldId id="259" r:id="rId5"/>
+    <p:sldId id="260" r:id="rId6"/>
+    <p:sldId id="262" r:id="rId7"/>
+    <p:sldId id="261" r:id="rId8"/>
+    <p:sldId id="269" r:id="rId9"/>
+    <p:sldId id="264" r:id="rId10"/>
+    <p:sldId id="266" r:id="rId11"/>
+    <p:sldId id="263" r:id="rId12"/>
+    <p:sldId id="267" r:id="rId13"/>
   </p:sldIdLst>
   <p:sldSz cx="12192000" cy="6858000"/>
   <p:notesSz cx="6858000" cy="9144000"/>
@@ -114,7 +118,448 @@
       </a:defRPr>
     </a:lvl9pPr>
   </p:defaultTextStyle>
+  <p:extLst>
+    <p:ext uri="{EFAFB233-063F-42B5-8137-9DF3F51BA10A}">
+      <p15:sldGuideLst xmlns:p15="http://schemas.microsoft.com/office/powerpoint/2012/main"/>
+    </p:ext>
+  </p:extLst>
 </p:presentation>
+</file>
+
+<file path=ppt/notesMasters/notesMaster1.xml><?xml version="1.0" encoding="utf-8"?>
+<p:notesMaster xmlns:a="http://schemas.openxmlformats.org/drawingml/2006/main" xmlns:r="http://schemas.openxmlformats.org/officeDocument/2006/relationships" xmlns:p="http://schemas.openxmlformats.org/presentationml/2006/main">
+  <p:cSld>
+    <p:bg>
+      <p:bgRef idx="1001">
+        <a:schemeClr val="bg1"/>
+      </p:bgRef>
+    </p:bg>
+    <p:spTree>
+      <p:nvGrpSpPr>
+        <p:cNvPr id="1" name=""/>
+        <p:cNvGrpSpPr/>
+        <p:nvPr/>
+      </p:nvGrpSpPr>
+      <p:grpSpPr>
+        <a:xfrm>
+          <a:off x="0" y="0"/>
+          <a:ext cx="0" cy="0"/>
+          <a:chOff x="0" y="0"/>
+          <a:chExt cx="0" cy="0"/>
+        </a:xfrm>
+      </p:grpSpPr>
+      <p:sp>
+        <p:nvSpPr>
+          <p:cNvPr id="2" name="Header Placeholder 1"/>
+          <p:cNvSpPr>
+            <a:spLocks noGrp="1"/>
+          </p:cNvSpPr>
+          <p:nvPr>
+            <p:ph type="hdr" sz="quarter"/>
+          </p:nvPr>
+        </p:nvSpPr>
+        <p:spPr>
+          <a:xfrm>
+            <a:off x="0" y="0"/>
+            <a:ext cx="2971800" cy="458788"/>
+          </a:xfrm>
+          <a:prstGeom prst="rect">
+            <a:avLst/>
+          </a:prstGeom>
+        </p:spPr>
+        <p:txBody>
+          <a:bodyPr vert="horz" lIns="91440" tIns="45720" rIns="91440" bIns="45720" rtlCol="0"/>
+          <a:lstStyle>
+            <a:lvl1pPr algn="l">
+              <a:defRPr sz="1200"/>
+            </a:lvl1pPr>
+          </a:lstStyle>
+          <a:p>
+            <a:endParaRPr lang="en-US"/>
+          </a:p>
+        </p:txBody>
+      </p:sp>
+      <p:sp>
+        <p:nvSpPr>
+          <p:cNvPr id="3" name="Date Placeholder 2"/>
+          <p:cNvSpPr>
+            <a:spLocks noGrp="1"/>
+          </p:cNvSpPr>
+          <p:nvPr>
+            <p:ph type="dt" idx="1"/>
+          </p:nvPr>
+        </p:nvSpPr>
+        <p:spPr>
+          <a:xfrm>
+            <a:off x="3884613" y="0"/>
+            <a:ext cx="2971800" cy="458788"/>
+          </a:xfrm>
+          <a:prstGeom prst="rect">
+            <a:avLst/>
+          </a:prstGeom>
+        </p:spPr>
+        <p:txBody>
+          <a:bodyPr vert="horz" lIns="91440" tIns="45720" rIns="91440" bIns="45720" rtlCol="0"/>
+          <a:lstStyle>
+            <a:lvl1pPr algn="r">
+              <a:defRPr sz="1200"/>
+            </a:lvl1pPr>
+          </a:lstStyle>
+          <a:p>
+            <a:fld id="{C0FD4A09-C286-7946-835B-823FE8FAE805}" type="datetimeFigureOut">
+              <a:rPr lang="en-US" smtClean="0"/>
+              <a:t>3/11/20</a:t>
+            </a:fld>
+            <a:endParaRPr lang="en-US"/>
+          </a:p>
+        </p:txBody>
+      </p:sp>
+      <p:sp>
+        <p:nvSpPr>
+          <p:cNvPr id="4" name="Slide Image Placeholder 3"/>
+          <p:cNvSpPr>
+            <a:spLocks noGrp="1" noRot="1" noChangeAspect="1"/>
+          </p:cNvSpPr>
+          <p:nvPr>
+            <p:ph type="sldImg" idx="2"/>
+          </p:nvPr>
+        </p:nvSpPr>
+        <p:spPr>
+          <a:xfrm>
+            <a:off x="685800" y="1143000"/>
+            <a:ext cx="5486400" cy="3086100"/>
+          </a:xfrm>
+          <a:prstGeom prst="rect">
+            <a:avLst/>
+          </a:prstGeom>
+          <a:noFill/>
+          <a:ln w="12700">
+            <a:solidFill>
+              <a:prstClr val="black"/>
+            </a:solidFill>
+          </a:ln>
+        </p:spPr>
+        <p:txBody>
+          <a:bodyPr vert="horz" lIns="91440" tIns="45720" rIns="91440" bIns="45720" rtlCol="0" anchor="ctr"/>
+          <a:lstStyle/>
+          <a:p>
+            <a:endParaRPr lang="en-US"/>
+          </a:p>
+        </p:txBody>
+      </p:sp>
+      <p:sp>
+        <p:nvSpPr>
+          <p:cNvPr id="5" name="Notes Placeholder 4"/>
+          <p:cNvSpPr>
+            <a:spLocks noGrp="1"/>
+          </p:cNvSpPr>
+          <p:nvPr>
+            <p:ph type="body" sz="quarter" idx="3"/>
+          </p:nvPr>
+        </p:nvSpPr>
+        <p:spPr>
+          <a:xfrm>
+            <a:off x="685800" y="4400550"/>
+            <a:ext cx="5486400" cy="3600450"/>
+          </a:xfrm>
+          <a:prstGeom prst="rect">
+            <a:avLst/>
+          </a:prstGeom>
+        </p:spPr>
+        <p:txBody>
+          <a:bodyPr vert="horz" lIns="91440" tIns="45720" rIns="91440" bIns="45720" rtlCol="0"/>
+          <a:lstStyle/>
+          <a:p>
+            <a:pPr lvl="0"/>
+            <a:r>
+              <a:rPr lang="en-US"/>
+              <a:t>Click to edit Master text styles</a:t>
+            </a:r>
+          </a:p>
+          <a:p>
+            <a:pPr lvl="1"/>
+            <a:r>
+              <a:rPr lang="en-US"/>
+              <a:t>Second level</a:t>
+            </a:r>
+          </a:p>
+          <a:p>
+            <a:pPr lvl="2"/>
+            <a:r>
+              <a:rPr lang="en-US"/>
+              <a:t>Third level</a:t>
+            </a:r>
+          </a:p>
+          <a:p>
+            <a:pPr lvl="3"/>
+            <a:r>
+              <a:rPr lang="en-US"/>
+              <a:t>Fourth level</a:t>
+            </a:r>
+          </a:p>
+          <a:p>
+            <a:pPr lvl="4"/>
+            <a:r>
+              <a:rPr lang="en-US"/>
+              <a:t>Fifth level</a:t>
+            </a:r>
+          </a:p>
+        </p:txBody>
+      </p:sp>
+      <p:sp>
+        <p:nvSpPr>
+          <p:cNvPr id="6" name="Footer Placeholder 5"/>
+          <p:cNvSpPr>
+            <a:spLocks noGrp="1"/>
+          </p:cNvSpPr>
+          <p:nvPr>
+            <p:ph type="ftr" sz="quarter" idx="4"/>
+          </p:nvPr>
+        </p:nvSpPr>
+        <p:spPr>
+          <a:xfrm>
+            <a:off x="0" y="8685213"/>
+            <a:ext cx="2971800" cy="458787"/>
+          </a:xfrm>
+          <a:prstGeom prst="rect">
+            <a:avLst/>
+          </a:prstGeom>
+        </p:spPr>
+        <p:txBody>
+          <a:bodyPr vert="horz" lIns="91440" tIns="45720" rIns="91440" bIns="45720" rtlCol="0" anchor="b"/>
+          <a:lstStyle>
+            <a:lvl1pPr algn="l">
+              <a:defRPr sz="1200"/>
+            </a:lvl1pPr>
+          </a:lstStyle>
+          <a:p>
+            <a:endParaRPr lang="en-US"/>
+          </a:p>
+        </p:txBody>
+      </p:sp>
+      <p:sp>
+        <p:nvSpPr>
+          <p:cNvPr id="7" name="Slide Number Placeholder 6"/>
+          <p:cNvSpPr>
+            <a:spLocks noGrp="1"/>
+          </p:cNvSpPr>
+          <p:nvPr>
+            <p:ph type="sldNum" sz="quarter" idx="5"/>
+          </p:nvPr>
+        </p:nvSpPr>
+        <p:spPr>
+          <a:xfrm>
+            <a:off x="3884613" y="8685213"/>
+            <a:ext cx="2971800" cy="458787"/>
+          </a:xfrm>
+          <a:prstGeom prst="rect">
+            <a:avLst/>
+          </a:prstGeom>
+        </p:spPr>
+        <p:txBody>
+          <a:bodyPr vert="horz" lIns="91440" tIns="45720" rIns="91440" bIns="45720" rtlCol="0" anchor="b"/>
+          <a:lstStyle>
+            <a:lvl1pPr algn="r">
+              <a:defRPr sz="1200"/>
+            </a:lvl1pPr>
+          </a:lstStyle>
+          <a:p>
+            <a:fld id="{E884BE9A-2AAC-A648-98D8-81E43C656997}" type="slidenum">
+              <a:rPr lang="en-US" smtClean="0"/>
+              <a:t>‹#›</a:t>
+            </a:fld>
+            <a:endParaRPr lang="en-US"/>
+          </a:p>
+        </p:txBody>
+      </p:sp>
+    </p:spTree>
+    <p:extLst>
+      <p:ext uri="{BB962C8B-B14F-4D97-AF65-F5344CB8AC3E}">
+        <p14:creationId xmlns:p14="http://schemas.microsoft.com/office/powerpoint/2010/main" val="2117246090"/>
+      </p:ext>
+    </p:extLst>
+  </p:cSld>
+  <p:clrMap bg1="lt1" tx1="dk1" bg2="lt2" tx2="dk2" accent1="accent1" accent2="accent2" accent3="accent3" accent4="accent4" accent5="accent5" accent6="accent6" hlink="hlink" folHlink="folHlink"/>
+  <p:notesStyle>
+    <a:lvl1pPr marL="0" algn="l" defTabSz="914400" rtl="0" eaLnBrk="1" latinLnBrk="0" hangingPunct="1">
+      <a:defRPr sz="1200" kern="1200">
+        <a:solidFill>
+          <a:schemeClr val="tx1"/>
+        </a:solidFill>
+        <a:latin typeface="+mn-lt"/>
+        <a:ea typeface="+mn-ea"/>
+        <a:cs typeface="+mn-cs"/>
+      </a:defRPr>
+    </a:lvl1pPr>
+    <a:lvl2pPr marL="457200" algn="l" defTabSz="914400" rtl="0" eaLnBrk="1" latinLnBrk="0" hangingPunct="1">
+      <a:defRPr sz="1200" kern="1200">
+        <a:solidFill>
+          <a:schemeClr val="tx1"/>
+        </a:solidFill>
+        <a:latin typeface="+mn-lt"/>
+        <a:ea typeface="+mn-ea"/>
+        <a:cs typeface="+mn-cs"/>
+      </a:defRPr>
+    </a:lvl2pPr>
+    <a:lvl3pPr marL="914400" algn="l" defTabSz="914400" rtl="0" eaLnBrk="1" latinLnBrk="0" hangingPunct="1">
+      <a:defRPr sz="1200" kern="1200">
+        <a:solidFill>
+          <a:schemeClr val="tx1"/>
+        </a:solidFill>
+        <a:latin typeface="+mn-lt"/>
+        <a:ea typeface="+mn-ea"/>
+        <a:cs typeface="+mn-cs"/>
+      </a:defRPr>
+    </a:lvl3pPr>
+    <a:lvl4pPr marL="1371600" algn="l" defTabSz="914400" rtl="0" eaLnBrk="1" latinLnBrk="0" hangingPunct="1">
+      <a:defRPr sz="1200" kern="1200">
+        <a:solidFill>
+          <a:schemeClr val="tx1"/>
+        </a:solidFill>
+        <a:latin typeface="+mn-lt"/>
+        <a:ea typeface="+mn-ea"/>
+        <a:cs typeface="+mn-cs"/>
+      </a:defRPr>
+    </a:lvl4pPr>
+    <a:lvl5pPr marL="1828800" algn="l" defTabSz="914400" rtl="0" eaLnBrk="1" latinLnBrk="0" hangingPunct="1">
+      <a:defRPr sz="1200" kern="1200">
+        <a:solidFill>
+          <a:schemeClr val="tx1"/>
+        </a:solidFill>
+        <a:latin typeface="+mn-lt"/>
+        <a:ea typeface="+mn-ea"/>
+        <a:cs typeface="+mn-cs"/>
+      </a:defRPr>
+    </a:lvl5pPr>
+    <a:lvl6pPr marL="2286000" algn="l" defTabSz="914400" rtl="0" eaLnBrk="1" latinLnBrk="0" hangingPunct="1">
+      <a:defRPr sz="1200" kern="1200">
+        <a:solidFill>
+          <a:schemeClr val="tx1"/>
+        </a:solidFill>
+        <a:latin typeface="+mn-lt"/>
+        <a:ea typeface="+mn-ea"/>
+        <a:cs typeface="+mn-cs"/>
+      </a:defRPr>
+    </a:lvl6pPr>
+    <a:lvl7pPr marL="2743200" algn="l" defTabSz="914400" rtl="0" eaLnBrk="1" latinLnBrk="0" hangingPunct="1">
+      <a:defRPr sz="1200" kern="1200">
+        <a:solidFill>
+          <a:schemeClr val="tx1"/>
+        </a:solidFill>
+        <a:latin typeface="+mn-lt"/>
+        <a:ea typeface="+mn-ea"/>
+        <a:cs typeface="+mn-cs"/>
+      </a:defRPr>
+    </a:lvl7pPr>
+    <a:lvl8pPr marL="3200400" algn="l" defTabSz="914400" rtl="0" eaLnBrk="1" latinLnBrk="0" hangingPunct="1">
+      <a:defRPr sz="1200" kern="1200">
+        <a:solidFill>
+          <a:schemeClr val="tx1"/>
+        </a:solidFill>
+        <a:latin typeface="+mn-lt"/>
+        <a:ea typeface="+mn-ea"/>
+        <a:cs typeface="+mn-cs"/>
+      </a:defRPr>
+    </a:lvl8pPr>
+    <a:lvl9pPr marL="3657600" algn="l" defTabSz="914400" rtl="0" eaLnBrk="1" latinLnBrk="0" hangingPunct="1">
+      <a:defRPr sz="1200" kern="1200">
+        <a:solidFill>
+          <a:schemeClr val="tx1"/>
+        </a:solidFill>
+        <a:latin typeface="+mn-lt"/>
+        <a:ea typeface="+mn-ea"/>
+        <a:cs typeface="+mn-cs"/>
+      </a:defRPr>
+    </a:lvl9pPr>
+  </p:notesStyle>
+</p:notesMaster>
+</file>
+
+<file path=ppt/notesSlides/notesSlide1.xml><?xml version="1.0" encoding="utf-8"?>
+<p:notes xmlns:a="http://schemas.openxmlformats.org/drawingml/2006/main" xmlns:r="http://schemas.openxmlformats.org/officeDocument/2006/relationships" xmlns:p="http://schemas.openxmlformats.org/presentationml/2006/main">
+  <p:cSld>
+    <p:spTree>
+      <p:nvGrpSpPr>
+        <p:cNvPr id="1" name=""/>
+        <p:cNvGrpSpPr/>
+        <p:nvPr/>
+      </p:nvGrpSpPr>
+      <p:grpSpPr>
+        <a:xfrm>
+          <a:off x="0" y="0"/>
+          <a:ext cx="0" cy="0"/>
+          <a:chOff x="0" y="0"/>
+          <a:chExt cx="0" cy="0"/>
+        </a:xfrm>
+      </p:grpSpPr>
+      <p:sp>
+        <p:nvSpPr>
+          <p:cNvPr id="2" name="Slide Image Placeholder 1"/>
+          <p:cNvSpPr>
+            <a:spLocks noGrp="1" noRot="1" noChangeAspect="1"/>
+          </p:cNvSpPr>
+          <p:nvPr>
+            <p:ph type="sldImg"/>
+          </p:nvPr>
+        </p:nvSpPr>
+        <p:spPr/>
+      </p:sp>
+      <p:sp>
+        <p:nvSpPr>
+          <p:cNvPr id="3" name="Notes Placeholder 2"/>
+          <p:cNvSpPr>
+            <a:spLocks noGrp="1"/>
+          </p:cNvSpPr>
+          <p:nvPr>
+            <p:ph type="body" idx="1"/>
+          </p:nvPr>
+        </p:nvSpPr>
+        <p:spPr/>
+        <p:txBody>
+          <a:bodyPr/>
+          <a:lstStyle/>
+          <a:p>
+            <a:r>
+              <a:rPr lang="en-US" dirty="0"/>
+              <a:t>Far right points are BARR and HEAL; both included in the O horizon data sets</a:t>
+            </a:r>
+          </a:p>
+        </p:txBody>
+      </p:sp>
+      <p:sp>
+        <p:nvSpPr>
+          <p:cNvPr id="4" name="Slide Number Placeholder 3"/>
+          <p:cNvSpPr>
+            <a:spLocks noGrp="1"/>
+          </p:cNvSpPr>
+          <p:nvPr>
+            <p:ph type="sldNum" sz="quarter" idx="5"/>
+          </p:nvPr>
+        </p:nvSpPr>
+        <p:spPr/>
+        <p:txBody>
+          <a:bodyPr/>
+          <a:lstStyle/>
+          <a:p>
+            <a:fld id="{E884BE9A-2AAC-A648-98D8-81E43C656997}" type="slidenum">
+              <a:rPr lang="en-US" smtClean="0"/>
+              <a:t>3</a:t>
+            </a:fld>
+            <a:endParaRPr lang="en-US"/>
+          </a:p>
+        </p:txBody>
+      </p:sp>
+    </p:spTree>
+    <p:extLst>
+      <p:ext uri="{BB962C8B-B14F-4D97-AF65-F5344CB8AC3E}">
+        <p14:creationId xmlns:p14="http://schemas.microsoft.com/office/powerpoint/2010/main" val="3213255992"/>
+      </p:ext>
+    </p:extLst>
+  </p:cSld>
+  <p:clrMapOvr>
+    <a:masterClrMapping/>
+  </p:clrMapOvr>
+</p:notes>
 </file>
 
 <file path=ppt/slideLayouts/slideLayout1.xml><?xml version="1.0" encoding="utf-8"?>
@@ -264,7 +709,7 @@
           <a:p>
             <a:fld id="{7D47A4F5-527D-B34C-A3B9-97AEC71A20E5}" type="datetimeFigureOut">
               <a:rPr lang="en-US" smtClean="0"/>
-              <a:t>2/28/20</a:t>
+              <a:t>3/11/20</a:t>
             </a:fld>
             <a:endParaRPr lang="en-US"/>
           </a:p>
@@ -462,7 +907,7 @@
           <a:p>
             <a:fld id="{7D47A4F5-527D-B34C-A3B9-97AEC71A20E5}" type="datetimeFigureOut">
               <a:rPr lang="en-US" smtClean="0"/>
-              <a:t>2/28/20</a:t>
+              <a:t>3/11/20</a:t>
             </a:fld>
             <a:endParaRPr lang="en-US"/>
           </a:p>
@@ -670,7 +1115,7 @@
           <a:p>
             <a:fld id="{7D47A4F5-527D-B34C-A3B9-97AEC71A20E5}" type="datetimeFigureOut">
               <a:rPr lang="en-US" smtClean="0"/>
-              <a:t>2/28/20</a:t>
+              <a:t>3/11/20</a:t>
             </a:fld>
             <a:endParaRPr lang="en-US"/>
           </a:p>
@@ -868,7 +1313,7 @@
           <a:p>
             <a:fld id="{7D47A4F5-527D-B34C-A3B9-97AEC71A20E5}" type="datetimeFigureOut">
               <a:rPr lang="en-US" smtClean="0"/>
-              <a:t>2/28/20</a:t>
+              <a:t>3/11/20</a:t>
             </a:fld>
             <a:endParaRPr lang="en-US"/>
           </a:p>
@@ -1143,7 +1588,7 @@
           <a:p>
             <a:fld id="{7D47A4F5-527D-B34C-A3B9-97AEC71A20E5}" type="datetimeFigureOut">
               <a:rPr lang="en-US" smtClean="0"/>
-              <a:t>2/28/20</a:t>
+              <a:t>3/11/20</a:t>
             </a:fld>
             <a:endParaRPr lang="en-US"/>
           </a:p>
@@ -1408,7 +1853,7 @@
           <a:p>
             <a:fld id="{7D47A4F5-527D-B34C-A3B9-97AEC71A20E5}" type="datetimeFigureOut">
               <a:rPr lang="en-US" smtClean="0"/>
-              <a:t>2/28/20</a:t>
+              <a:t>3/11/20</a:t>
             </a:fld>
             <a:endParaRPr lang="en-US"/>
           </a:p>
@@ -1820,7 +2265,7 @@
           <a:p>
             <a:fld id="{7D47A4F5-527D-B34C-A3B9-97AEC71A20E5}" type="datetimeFigureOut">
               <a:rPr lang="en-US" smtClean="0"/>
-              <a:t>2/28/20</a:t>
+              <a:t>3/11/20</a:t>
             </a:fld>
             <a:endParaRPr lang="en-US"/>
           </a:p>
@@ -1961,7 +2406,7 @@
           <a:p>
             <a:fld id="{7D47A4F5-527D-B34C-A3B9-97AEC71A20E5}" type="datetimeFigureOut">
               <a:rPr lang="en-US" smtClean="0"/>
-              <a:t>2/28/20</a:t>
+              <a:t>3/11/20</a:t>
             </a:fld>
             <a:endParaRPr lang="en-US"/>
           </a:p>
@@ -2074,7 +2519,7 @@
           <a:p>
             <a:fld id="{7D47A4F5-527D-B34C-A3B9-97AEC71A20E5}" type="datetimeFigureOut">
               <a:rPr lang="en-US" smtClean="0"/>
-              <a:t>2/28/20</a:t>
+              <a:t>3/11/20</a:t>
             </a:fld>
             <a:endParaRPr lang="en-US"/>
           </a:p>
@@ -2385,7 +2830,7 @@
           <a:p>
             <a:fld id="{7D47A4F5-527D-B34C-A3B9-97AEC71A20E5}" type="datetimeFigureOut">
               <a:rPr lang="en-US" smtClean="0"/>
-              <a:t>2/28/20</a:t>
+              <a:t>3/11/20</a:t>
             </a:fld>
             <a:endParaRPr lang="en-US"/>
           </a:p>
@@ -2673,7 +3118,7 @@
           <a:p>
             <a:fld id="{7D47A4F5-527D-B34C-A3B9-97AEC71A20E5}" type="datetimeFigureOut">
               <a:rPr lang="en-US" smtClean="0"/>
-              <a:t>2/28/20</a:t>
+              <a:t>3/11/20</a:t>
             </a:fld>
             <a:endParaRPr lang="en-US"/>
           </a:p>
@@ -2914,7 +3359,7 @@
           <a:p>
             <a:fld id="{7D47A4F5-527D-B34C-A3B9-97AEC71A20E5}" type="datetimeFigureOut">
               <a:rPr lang="en-US" smtClean="0"/>
-              <a:t>2/28/20</a:t>
+              <a:t>3/11/20</a:t>
             </a:fld>
             <a:endParaRPr lang="en-US"/>
           </a:p>
@@ -3428,48 +3873,12 @@
           <a:chExt cx="0" cy="0"/>
         </a:xfrm>
       </p:grpSpPr>
-      <p:sp>
-        <p:nvSpPr>
-          <p:cNvPr id="2" name="Title 1">
-            <a:extLst>
-              <a:ext uri="{FF2B5EF4-FFF2-40B4-BE49-F238E27FC236}">
-                <a16:creationId xmlns:a16="http://schemas.microsoft.com/office/drawing/2014/main" id="{2239F942-583C-6348-8893-454D19DCBA74}"/>
-              </a:ext>
-            </a:extLst>
-          </p:cNvPr>
-          <p:cNvSpPr>
-            <a:spLocks noGrp="1"/>
-          </p:cNvSpPr>
-          <p:nvPr>
-            <p:ph type="title"/>
-          </p:nvPr>
-        </p:nvSpPr>
-        <p:spPr>
-          <a:xfrm>
-            <a:off x="838200" y="165432"/>
-            <a:ext cx="10515600" cy="1325563"/>
-          </a:xfrm>
-        </p:spPr>
-        <p:txBody>
-          <a:bodyPr>
-            <a:normAutofit/>
-          </a:bodyPr>
-          <a:lstStyle/>
-          <a:p>
-            <a:pPr algn="ctr"/>
-            <a:r>
-              <a:rPr lang="en-US" sz="3200" dirty="0"/>
-              <a:t>Fig 3a. Beta coefficients for roots and SOC through depth profiles (O+M) depend on land cover</a:t>
-            </a:r>
-          </a:p>
-        </p:txBody>
-      </p:sp>
       <p:pic>
         <p:nvPicPr>
-          <p:cNvPr id="5" name="Picture 4">
-            <a:extLst>
-              <a:ext uri="{FF2B5EF4-FFF2-40B4-BE49-F238E27FC236}">
-                <a16:creationId xmlns:a16="http://schemas.microsoft.com/office/drawing/2014/main" id="{9BA6A519-6330-AC4C-9193-04650C0658C9}"/>
+          <p:cNvPr id="3" name="Picture 2">
+            <a:extLst>
+              <a:ext uri="{FF2B5EF4-FFF2-40B4-BE49-F238E27FC236}">
+                <a16:creationId xmlns:a16="http://schemas.microsoft.com/office/drawing/2014/main" id="{0886B2C3-F6FE-AC4C-B349-8CD105797EE5}"/>
               </a:ext>
             </a:extLst>
           </p:cNvPr>
@@ -3486,8 +3895,8 @@
         </p:blipFill>
         <p:spPr>
           <a:xfrm>
-            <a:off x="2058453" y="1355071"/>
-            <a:ext cx="8075094" cy="5486400"/>
+            <a:off x="1049066" y="0"/>
+            <a:ext cx="10093868" cy="6858000"/>
           </a:xfrm>
           <a:prstGeom prst="rect">
             <a:avLst/>
@@ -3496,10 +3905,10 @@
       </p:pic>
       <p:sp>
         <p:nvSpPr>
-          <p:cNvPr id="6" name="TextBox 5">
-            <a:extLst>
-              <a:ext uri="{FF2B5EF4-FFF2-40B4-BE49-F238E27FC236}">
-                <a16:creationId xmlns:a16="http://schemas.microsoft.com/office/drawing/2014/main" id="{7BC1831C-D92C-AF42-8BB7-C11BDB4F9E5D}"/>
+          <p:cNvPr id="4" name="TextBox 3">
+            <a:extLst>
+              <a:ext uri="{FF2B5EF4-FFF2-40B4-BE49-F238E27FC236}">
+                <a16:creationId xmlns:a16="http://schemas.microsoft.com/office/drawing/2014/main" id="{936D811B-B3D2-4840-814D-CB85449E9B9E}"/>
               </a:ext>
             </a:extLst>
           </p:cNvPr>
@@ -3508,8 +3917,8 @@
         </p:nvSpPr>
         <p:spPr>
           <a:xfrm>
-            <a:off x="86497" y="4646141"/>
-            <a:ext cx="2326021" cy="1200329"/>
+            <a:off x="5834269" y="5565912"/>
+            <a:ext cx="1347933" cy="646331"/>
           </a:xfrm>
           <a:prstGeom prst="rect">
             <a:avLst/>
@@ -3523,26 +3932,14 @@
           <a:lstStyle/>
           <a:p>
             <a:r>
-              <a:rPr lang="en-US" u="sng" dirty="0"/>
-              <a:t>Post-hoc Tests</a:t>
-            </a:r>
-          </a:p>
-          <a:p>
-            <a:r>
               <a:rPr lang="en-US" dirty="0"/>
-              <a:t>R/g vs shrub: P = 0.04</a:t>
+              <a:t>Solid = roots</a:t>
             </a:r>
           </a:p>
           <a:p>
             <a:r>
               <a:rPr lang="en-US" dirty="0"/>
-              <a:t>R/g vs forest: P = 0.09</a:t>
-            </a:r>
-          </a:p>
-          <a:p>
-            <a:r>
-              <a:rPr lang="en-US" dirty="0"/>
-              <a:t>Shrub vs forest: P &gt; 0.1</a:t>
+              <a:t>Open = SOC</a:t>
             </a:r>
           </a:p>
         </p:txBody>
@@ -3550,7 +3947,7 @@
     </p:spTree>
     <p:extLst>
       <p:ext uri="{BB962C8B-B14F-4D97-AF65-F5344CB8AC3E}">
-        <p14:creationId xmlns:p14="http://schemas.microsoft.com/office/powerpoint/2010/main" val="2515039005"/>
+        <p14:creationId xmlns:p14="http://schemas.microsoft.com/office/powerpoint/2010/main" val="2386145492"/>
       </p:ext>
     </p:extLst>
   </p:cSld>
@@ -3608,70 +4005,17 @@
             <a:pPr algn="ctr"/>
             <a:r>
               <a:rPr lang="en-US" sz="3200" dirty="0"/>
-              <a:t>Fig 3b. Beta coefficients for roots and SOC through depth profiles depend on land cover, clay, and (marginally) on MAP</a:t>
-            </a:r>
-          </a:p>
-        </p:txBody>
-      </p:sp>
-      <p:sp>
-        <p:nvSpPr>
-          <p:cNvPr id="6" name="TextBox 5">
-            <a:extLst>
-              <a:ext uri="{FF2B5EF4-FFF2-40B4-BE49-F238E27FC236}">
-                <a16:creationId xmlns:a16="http://schemas.microsoft.com/office/drawing/2014/main" id="{7BC1831C-D92C-AF42-8BB7-C11BDB4F9E5D}"/>
-              </a:ext>
-            </a:extLst>
-          </p:cNvPr>
-          <p:cNvSpPr txBox="1"/>
-          <p:nvPr/>
-        </p:nvSpPr>
-        <p:spPr>
-          <a:xfrm>
-            <a:off x="86497" y="4646141"/>
-            <a:ext cx="2326021" cy="1200329"/>
-          </a:xfrm>
-          <a:prstGeom prst="rect">
-            <a:avLst/>
-          </a:prstGeom>
-          <a:noFill/>
-        </p:spPr>
-        <p:txBody>
-          <a:bodyPr wrap="none" rtlCol="0">
-            <a:spAutoFit/>
-          </a:bodyPr>
-          <a:lstStyle/>
-          <a:p>
-            <a:r>
-              <a:rPr lang="en-US" u="sng" dirty="0"/>
-              <a:t>Post-hoc Tests</a:t>
-            </a:r>
-          </a:p>
-          <a:p>
-            <a:r>
-              <a:rPr lang="en-US" dirty="0"/>
-              <a:t>R/g vs shrub: P = 0.03</a:t>
-            </a:r>
-          </a:p>
-          <a:p>
-            <a:r>
-              <a:rPr lang="en-US" dirty="0"/>
-              <a:t>R/g vs forest: P = 0.03</a:t>
-            </a:r>
-          </a:p>
-          <a:p>
-            <a:r>
-              <a:rPr lang="en-US" dirty="0"/>
-              <a:t>Shrub vs forest: P &gt; 0.1</a:t>
+              <a:t>Fig 3a. Beta coefficients for roots and SOC through depth profiles (O+M) depend on land cover</a:t>
             </a:r>
           </a:p>
         </p:txBody>
       </p:sp>
       <p:pic>
         <p:nvPicPr>
-          <p:cNvPr id="4" name="Picture 3">
-            <a:extLst>
-              <a:ext uri="{FF2B5EF4-FFF2-40B4-BE49-F238E27FC236}">
-                <a16:creationId xmlns:a16="http://schemas.microsoft.com/office/drawing/2014/main" id="{E540D008-D370-9B4C-83C3-C149146082AE}"/>
+          <p:cNvPr id="5" name="Picture 4">
+            <a:extLst>
+              <a:ext uri="{FF2B5EF4-FFF2-40B4-BE49-F238E27FC236}">
+                <a16:creationId xmlns:a16="http://schemas.microsoft.com/office/drawing/2014/main" id="{9BA6A519-6330-AC4C-9193-04650C0658C9}"/>
               </a:ext>
             </a:extLst>
           </p:cNvPr>
@@ -3688,7 +4032,209 @@
         </p:blipFill>
         <p:spPr>
           <a:xfrm>
-            <a:off x="2412518" y="1206168"/>
+            <a:off x="2058453" y="1355071"/>
+            <a:ext cx="8075094" cy="5486400"/>
+          </a:xfrm>
+          <a:prstGeom prst="rect">
+            <a:avLst/>
+          </a:prstGeom>
+        </p:spPr>
+      </p:pic>
+      <p:sp>
+        <p:nvSpPr>
+          <p:cNvPr id="6" name="TextBox 5">
+            <a:extLst>
+              <a:ext uri="{FF2B5EF4-FFF2-40B4-BE49-F238E27FC236}">
+                <a16:creationId xmlns:a16="http://schemas.microsoft.com/office/drawing/2014/main" id="{7BC1831C-D92C-AF42-8BB7-C11BDB4F9E5D}"/>
+              </a:ext>
+            </a:extLst>
+          </p:cNvPr>
+          <p:cNvSpPr txBox="1"/>
+          <p:nvPr/>
+        </p:nvSpPr>
+        <p:spPr>
+          <a:xfrm>
+            <a:off x="86497" y="4646141"/>
+            <a:ext cx="2326021" cy="1200329"/>
+          </a:xfrm>
+          <a:prstGeom prst="rect">
+            <a:avLst/>
+          </a:prstGeom>
+          <a:noFill/>
+        </p:spPr>
+        <p:txBody>
+          <a:bodyPr wrap="none" rtlCol="0">
+            <a:spAutoFit/>
+          </a:bodyPr>
+          <a:lstStyle/>
+          <a:p>
+            <a:r>
+              <a:rPr lang="en-US" u="sng" dirty="0"/>
+              <a:t>Post-hoc Tests</a:t>
+            </a:r>
+          </a:p>
+          <a:p>
+            <a:r>
+              <a:rPr lang="en-US" dirty="0"/>
+              <a:t>R/g vs shrub: P = 0.04</a:t>
+            </a:r>
+          </a:p>
+          <a:p>
+            <a:r>
+              <a:rPr lang="en-US" dirty="0"/>
+              <a:t>R/g vs forest: P = 0.09</a:t>
+            </a:r>
+          </a:p>
+          <a:p>
+            <a:r>
+              <a:rPr lang="en-US" dirty="0"/>
+              <a:t>Shrub vs forest: P &gt; 0.1</a:t>
+            </a:r>
+          </a:p>
+        </p:txBody>
+      </p:sp>
+    </p:spTree>
+    <p:extLst>
+      <p:ext uri="{BB962C8B-B14F-4D97-AF65-F5344CB8AC3E}">
+        <p14:creationId xmlns:p14="http://schemas.microsoft.com/office/powerpoint/2010/main" val="2515039005"/>
+      </p:ext>
+    </p:extLst>
+  </p:cSld>
+  <p:clrMapOvr>
+    <a:masterClrMapping/>
+  </p:clrMapOvr>
+</p:sld>
+</file>
+
+<file path=ppt/slides/slide12.xml><?xml version="1.0" encoding="utf-8"?>
+<p:sld xmlns:a="http://schemas.openxmlformats.org/drawingml/2006/main" xmlns:r="http://schemas.openxmlformats.org/officeDocument/2006/relationships" xmlns:p="http://schemas.openxmlformats.org/presentationml/2006/main">
+  <p:cSld>
+    <p:spTree>
+      <p:nvGrpSpPr>
+        <p:cNvPr id="1" name=""/>
+        <p:cNvGrpSpPr/>
+        <p:nvPr/>
+      </p:nvGrpSpPr>
+      <p:grpSpPr>
+        <a:xfrm>
+          <a:off x="0" y="0"/>
+          <a:ext cx="0" cy="0"/>
+          <a:chOff x="0" y="0"/>
+          <a:chExt cx="0" cy="0"/>
+        </a:xfrm>
+      </p:grpSpPr>
+      <p:sp>
+        <p:nvSpPr>
+          <p:cNvPr id="2" name="Title 1">
+            <a:extLst>
+              <a:ext uri="{FF2B5EF4-FFF2-40B4-BE49-F238E27FC236}">
+                <a16:creationId xmlns:a16="http://schemas.microsoft.com/office/drawing/2014/main" id="{2239F942-583C-6348-8893-454D19DCBA74}"/>
+              </a:ext>
+            </a:extLst>
+          </p:cNvPr>
+          <p:cNvSpPr>
+            <a:spLocks noGrp="1"/>
+          </p:cNvSpPr>
+          <p:nvPr>
+            <p:ph type="title"/>
+          </p:nvPr>
+        </p:nvSpPr>
+        <p:spPr>
+          <a:xfrm>
+            <a:off x="838200" y="165432"/>
+            <a:ext cx="10515600" cy="1325563"/>
+          </a:xfrm>
+        </p:spPr>
+        <p:txBody>
+          <a:bodyPr>
+            <a:normAutofit fontScale="90000"/>
+          </a:bodyPr>
+          <a:lstStyle/>
+          <a:p>
+            <a:pPr algn="ctr"/>
+            <a:r>
+              <a:rPr lang="en-US" sz="3200" dirty="0"/>
+              <a:t>Fig 3b. Beta coefficients for roots and SOC through depth profiles (mineral only) depend on land cover, clay, and (marginally) on MAP</a:t>
+            </a:r>
+          </a:p>
+        </p:txBody>
+      </p:sp>
+      <p:sp>
+        <p:nvSpPr>
+          <p:cNvPr id="6" name="TextBox 5">
+            <a:extLst>
+              <a:ext uri="{FF2B5EF4-FFF2-40B4-BE49-F238E27FC236}">
+                <a16:creationId xmlns:a16="http://schemas.microsoft.com/office/drawing/2014/main" id="{7BC1831C-D92C-AF42-8BB7-C11BDB4F9E5D}"/>
+              </a:ext>
+            </a:extLst>
+          </p:cNvPr>
+          <p:cNvSpPr txBox="1"/>
+          <p:nvPr/>
+        </p:nvSpPr>
+        <p:spPr>
+          <a:xfrm>
+            <a:off x="86497" y="4646141"/>
+            <a:ext cx="2326021" cy="1200329"/>
+          </a:xfrm>
+          <a:prstGeom prst="rect">
+            <a:avLst/>
+          </a:prstGeom>
+          <a:noFill/>
+        </p:spPr>
+        <p:txBody>
+          <a:bodyPr wrap="none" rtlCol="0">
+            <a:spAutoFit/>
+          </a:bodyPr>
+          <a:lstStyle/>
+          <a:p>
+            <a:r>
+              <a:rPr lang="en-US" u="sng" dirty="0"/>
+              <a:t>Post-hoc Tests</a:t>
+            </a:r>
+          </a:p>
+          <a:p>
+            <a:r>
+              <a:rPr lang="en-US" dirty="0"/>
+              <a:t>R/g vs shrub: P = 0.03</a:t>
+            </a:r>
+          </a:p>
+          <a:p>
+            <a:r>
+              <a:rPr lang="en-US" dirty="0"/>
+              <a:t>R/g vs forest: P = 0.03</a:t>
+            </a:r>
+          </a:p>
+          <a:p>
+            <a:r>
+              <a:rPr lang="en-US" dirty="0"/>
+              <a:t>Shrub vs forest: P &gt; 0.1</a:t>
+            </a:r>
+          </a:p>
+        </p:txBody>
+      </p:sp>
+      <p:pic>
+        <p:nvPicPr>
+          <p:cNvPr id="4" name="Picture 3">
+            <a:extLst>
+              <a:ext uri="{FF2B5EF4-FFF2-40B4-BE49-F238E27FC236}">
+                <a16:creationId xmlns:a16="http://schemas.microsoft.com/office/drawing/2014/main" id="{E540D008-D370-9B4C-83C3-C149146082AE}"/>
+              </a:ext>
+            </a:extLst>
+          </p:cNvPr>
+          <p:cNvPicPr>
+            <a:picLocks noChangeAspect="1"/>
+          </p:cNvPicPr>
+          <p:nvPr/>
+        </p:nvPicPr>
+        <p:blipFill>
+          <a:blip r:embed="rId2"/>
+          <a:stretch>
+            <a:fillRect/>
+          </a:stretch>
+        </p:blipFill>
+        <p:spPr>
+          <a:xfrm>
+            <a:off x="2412518" y="1306329"/>
             <a:ext cx="8075094" cy="5486400"/>
           </a:xfrm>
           <a:prstGeom prst="rect">
@@ -3766,7 +4312,7 @@
           <p:cNvPr id="2" name="Title 1">
             <a:extLst>
               <a:ext uri="{FF2B5EF4-FFF2-40B4-BE49-F238E27FC236}">
-                <a16:creationId xmlns:a16="http://schemas.microsoft.com/office/drawing/2014/main" id="{2239F942-583C-6348-8893-454D19DCBA74}"/>
+                <a16:creationId xmlns:a16="http://schemas.microsoft.com/office/drawing/2014/main" id="{79A8D145-E57C-024D-AC12-51D8FF4F0964}"/>
               </a:ext>
             </a:extLst>
           </p:cNvPr>
@@ -3777,67 +4323,100 @@
             <p:ph type="title"/>
           </p:nvPr>
         </p:nvSpPr>
-        <p:spPr>
-          <a:xfrm>
-            <a:off x="838200" y="165432"/>
-            <a:ext cx="10515600" cy="1325563"/>
-          </a:xfrm>
-        </p:spPr>
+        <p:spPr/>
         <p:txBody>
           <a:bodyPr>
             <a:normAutofit/>
           </a:bodyPr>
           <a:lstStyle/>
           <a:p>
-            <a:pPr algn="ctr"/>
-            <a:r>
-              <a:rPr lang="en-US" sz="3200" dirty="0"/>
-              <a:t>Fig 1a. Total SOC stock is related to root biomass, </a:t>
-            </a:r>
-            <a:br>
-              <a:rPr lang="en-US" sz="3200" dirty="0"/>
-            </a:br>
-            <a:r>
-              <a:rPr lang="en-US" sz="3200" dirty="0"/>
-              <a:t>land cover, MAT, and clay</a:t>
-            </a:r>
-          </a:p>
-        </p:txBody>
-      </p:sp>
-      <p:pic>
-        <p:nvPicPr>
-          <p:cNvPr id="8" name="Picture 7">
-            <a:extLst>
-              <a:ext uri="{FF2B5EF4-FFF2-40B4-BE49-F238E27FC236}">
-                <a16:creationId xmlns:a16="http://schemas.microsoft.com/office/drawing/2014/main" id="{1A259C1D-2A84-3643-8471-2FFF5D2C6235}"/>
-              </a:ext>
-            </a:extLst>
-          </p:cNvPr>
-          <p:cNvPicPr>
-            <a:picLocks noChangeAspect="1"/>
-          </p:cNvPicPr>
-          <p:nvPr/>
-        </p:nvPicPr>
-        <p:blipFill>
-          <a:blip r:embed="rId2"/>
-          <a:stretch>
-            <a:fillRect/>
-          </a:stretch>
-        </p:blipFill>
-        <p:spPr>
-          <a:xfrm>
-            <a:off x="2074809" y="1393827"/>
-            <a:ext cx="8074152" cy="5485759"/>
-          </a:xfrm>
-          <a:prstGeom prst="rect">
-            <a:avLst/>
-          </a:prstGeom>
-        </p:spPr>
-      </p:pic>
+            <a:r>
+              <a:rPr lang="en-US" dirty="0"/>
+              <a:t>Is SOC a function of root biomass? What factors govern this relationship?</a:t>
+            </a:r>
+          </a:p>
+        </p:txBody>
+      </p:sp>
+      <p:sp>
+        <p:nvSpPr>
+          <p:cNvPr id="3" name="Content Placeholder 2">
+            <a:extLst>
+              <a:ext uri="{FF2B5EF4-FFF2-40B4-BE49-F238E27FC236}">
+                <a16:creationId xmlns:a16="http://schemas.microsoft.com/office/drawing/2014/main" id="{A5FC3E76-200D-904B-9677-0D4B4656BA28}"/>
+              </a:ext>
+            </a:extLst>
+          </p:cNvPr>
+          <p:cNvSpPr>
+            <a:spLocks noGrp="1"/>
+          </p:cNvSpPr>
+          <p:nvPr>
+            <p:ph idx="1"/>
+          </p:nvPr>
+        </p:nvSpPr>
+        <p:spPr/>
+        <p:txBody>
+          <a:bodyPr/>
+          <a:lstStyle/>
+          <a:p>
+            <a:pPr marL="514350" indent="-514350">
+              <a:buFont typeface="+mj-lt"/>
+              <a:buAutoNum type="arabicPeriod"/>
+            </a:pPr>
+            <a:r>
+              <a:rPr lang="en-US" dirty="0"/>
+              <a:t>Is whole-profile SOC a function of root biomass?</a:t>
+            </a:r>
+          </a:p>
+          <a:p>
+            <a:pPr marL="971550" lvl="1" indent="-514350">
+              <a:buFont typeface="+mj-lt"/>
+              <a:buAutoNum type="alphaLcPeriod"/>
+            </a:pPr>
+            <a:r>
+              <a:rPr lang="en-US" dirty="0"/>
+              <a:t>Does the function vary among landcover types, horizon, climate, or edaphic properties?</a:t>
+            </a:r>
+          </a:p>
+          <a:p>
+            <a:pPr marL="971550" lvl="1" indent="-514350">
+              <a:buFont typeface="+mj-lt"/>
+              <a:buAutoNum type="alphaLcPeriod"/>
+            </a:pPr>
+            <a:endParaRPr lang="en-US" dirty="0"/>
+          </a:p>
+          <a:p>
+            <a:pPr marL="971550" lvl="1" indent="-514350">
+              <a:buFont typeface="+mj-lt"/>
+              <a:buAutoNum type="alphaLcPeriod"/>
+            </a:pPr>
+            <a:endParaRPr lang="en-US" dirty="0"/>
+          </a:p>
+          <a:p>
+            <a:pPr marL="514350" indent="-514350">
+              <a:buFont typeface="+mj-lt"/>
+              <a:buAutoNum type="arabicPeriod"/>
+            </a:pPr>
+            <a:r>
+              <a:rPr lang="en-US" dirty="0"/>
+              <a:t>Does SOC and root biomass accumulate through the soil profile similarly (i.e., beta coefficients are similar)?</a:t>
+            </a:r>
+          </a:p>
+          <a:p>
+            <a:pPr marL="971550" lvl="1" indent="-514350">
+              <a:buFont typeface="+mj-lt"/>
+              <a:buAutoNum type="alphaLcPeriod"/>
+            </a:pPr>
+            <a:r>
+              <a:rPr lang="en-US" dirty="0"/>
+              <a:t>Does the beta correlation vary among landcover types, horizon, climate, or edaphic properties?</a:t>
+            </a:r>
+          </a:p>
+        </p:txBody>
+      </p:sp>
     </p:spTree>
     <p:extLst>
       <p:ext uri="{BB962C8B-B14F-4D97-AF65-F5344CB8AC3E}">
-        <p14:creationId xmlns:p14="http://schemas.microsoft.com/office/powerpoint/2010/main" val="755466551"/>
+        <p14:creationId xmlns:p14="http://schemas.microsoft.com/office/powerpoint/2010/main" val="627938047"/>
       </p:ext>
     </p:extLst>
   </p:cSld>
@@ -3895,7 +4474,7 @@
             <a:pPr algn="ctr"/>
             <a:r>
               <a:rPr lang="en-US" sz="3200" dirty="0"/>
-              <a:t>Fig 1b. Total SOC stock is related to root biomass, </a:t>
+              <a:t>Fig 1a. Total SOC stock is related to root biomass, </a:t>
             </a:r>
             <a:br>
               <a:rPr lang="en-US" sz="3200" dirty="0"/>
@@ -3909,10 +4488,10 @@
       </p:sp>
       <p:pic>
         <p:nvPicPr>
-          <p:cNvPr id="6" name="Picture 5">
-            <a:extLst>
-              <a:ext uri="{FF2B5EF4-FFF2-40B4-BE49-F238E27FC236}">
-                <a16:creationId xmlns:a16="http://schemas.microsoft.com/office/drawing/2014/main" id="{9B74741C-B2D4-4E4C-8BC2-DE700359D5C4}"/>
+          <p:cNvPr id="8" name="Picture 7">
+            <a:extLst>
+              <a:ext uri="{FF2B5EF4-FFF2-40B4-BE49-F238E27FC236}">
+                <a16:creationId xmlns:a16="http://schemas.microsoft.com/office/drawing/2014/main" id="{1A259C1D-2A84-3643-8471-2FFF5D2C6235}"/>
               </a:ext>
             </a:extLst>
           </p:cNvPr>
@@ -3922,25 +4501,88 @@
           <p:nvPr/>
         </p:nvPicPr>
         <p:blipFill>
-          <a:blip r:embed="rId2"/>
+          <a:blip r:embed="rId3"/>
           <a:stretch>
             <a:fillRect/>
           </a:stretch>
         </p:blipFill>
         <p:spPr>
           <a:xfrm>
-            <a:off x="2058453" y="1206168"/>
-            <a:ext cx="8075094" cy="5486400"/>
+            <a:off x="2074809" y="1393827"/>
+            <a:ext cx="8074152" cy="5485759"/>
           </a:xfrm>
           <a:prstGeom prst="rect">
             <a:avLst/>
           </a:prstGeom>
         </p:spPr>
       </p:pic>
+      <p:sp>
+        <p:nvSpPr>
+          <p:cNvPr id="3" name="TextBox 2">
+            <a:extLst>
+              <a:ext uri="{FF2B5EF4-FFF2-40B4-BE49-F238E27FC236}">
+                <a16:creationId xmlns:a16="http://schemas.microsoft.com/office/drawing/2014/main" id="{626640FF-ABF3-E446-8ABF-4FC45F6E7115}"/>
+              </a:ext>
+            </a:extLst>
+          </p:cNvPr>
+          <p:cNvSpPr txBox="1"/>
+          <p:nvPr/>
+        </p:nvSpPr>
+        <p:spPr>
+          <a:xfrm>
+            <a:off x="326067" y="5496339"/>
+            <a:ext cx="1130438" cy="923330"/>
+          </a:xfrm>
+          <a:prstGeom prst="rect">
+            <a:avLst/>
+          </a:prstGeom>
+          <a:noFill/>
+        </p:spPr>
+        <p:txBody>
+          <a:bodyPr wrap="none" rtlCol="0">
+            <a:spAutoFit/>
+          </a:bodyPr>
+          <a:lstStyle/>
+          <a:p>
+            <a:r>
+              <a:rPr lang="en-US" dirty="0"/>
+              <a:t>P &lt; 0.001</a:t>
+            </a:r>
+          </a:p>
+          <a:p>
+            <a:r>
+              <a:rPr lang="en-US" dirty="0"/>
+              <a:t>X</a:t>
+            </a:r>
+            <a:r>
+              <a:rPr lang="en-US" baseline="30000" dirty="0"/>
+              <a:t>2</a:t>
+            </a:r>
+            <a:r>
+              <a:rPr lang="en-US" dirty="0"/>
+              <a:t> = 34.46</a:t>
+            </a:r>
+          </a:p>
+          <a:p>
+            <a:r>
+              <a:rPr lang="en-US" dirty="0"/>
+              <a:t>R</a:t>
+            </a:r>
+            <a:r>
+              <a:rPr lang="en-US" baseline="30000" dirty="0"/>
+              <a:t>2</a:t>
+            </a:r>
+            <a:r>
+              <a:rPr lang="en-US" dirty="0"/>
+              <a:t> = 0.39</a:t>
+            </a:r>
+          </a:p>
+        </p:txBody>
+      </p:sp>
     </p:spTree>
     <p:extLst>
       <p:ext uri="{BB962C8B-B14F-4D97-AF65-F5344CB8AC3E}">
-        <p14:creationId xmlns:p14="http://schemas.microsoft.com/office/powerpoint/2010/main" val="510787202"/>
+        <p14:creationId xmlns:p14="http://schemas.microsoft.com/office/powerpoint/2010/main" val="755466551"/>
       </p:ext>
     </p:extLst>
   </p:cSld>
@@ -3991,14 +4633,14 @@
         </p:spPr>
         <p:txBody>
           <a:bodyPr>
-            <a:normAutofit fontScale="90000"/>
+            <a:normAutofit/>
           </a:bodyPr>
           <a:lstStyle/>
           <a:p>
             <a:pPr algn="ctr"/>
             <a:r>
               <a:rPr lang="en-US" sz="3200" dirty="0"/>
-              <a:t>Supp Fig1a. Mineral horizon SOC stock is related to root biomass, </a:t>
+              <a:t>Fig 1b. Total SOC stock is related to root biomass, </a:t>
             </a:r>
             <a:br>
               <a:rPr lang="en-US" sz="3200" dirty="0"/>
@@ -4012,10 +4654,10 @@
       </p:sp>
       <p:pic>
         <p:nvPicPr>
-          <p:cNvPr id="5" name="Picture 4">
-            <a:extLst>
-              <a:ext uri="{FF2B5EF4-FFF2-40B4-BE49-F238E27FC236}">
-                <a16:creationId xmlns:a16="http://schemas.microsoft.com/office/drawing/2014/main" id="{A8288CF3-E425-0341-BC9F-E0EF0680F6E3}"/>
+          <p:cNvPr id="6" name="Picture 5">
+            <a:extLst>
+              <a:ext uri="{FF2B5EF4-FFF2-40B4-BE49-F238E27FC236}">
+                <a16:creationId xmlns:a16="http://schemas.microsoft.com/office/drawing/2014/main" id="{9B74741C-B2D4-4E4C-8BC2-DE700359D5C4}"/>
               </a:ext>
             </a:extLst>
           </p:cNvPr>
@@ -4032,7 +4674,7 @@
         </p:blipFill>
         <p:spPr>
           <a:xfrm>
-            <a:off x="2058453" y="1371600"/>
+            <a:off x="2058453" y="1295619"/>
             <a:ext cx="8075094" cy="5486400"/>
           </a:xfrm>
           <a:prstGeom prst="rect">
@@ -4040,10 +4682,73 @@
           </a:prstGeom>
         </p:spPr>
       </p:pic>
+      <p:sp>
+        <p:nvSpPr>
+          <p:cNvPr id="4" name="TextBox 3">
+            <a:extLst>
+              <a:ext uri="{FF2B5EF4-FFF2-40B4-BE49-F238E27FC236}">
+                <a16:creationId xmlns:a16="http://schemas.microsoft.com/office/drawing/2014/main" id="{61DD9312-19D6-5440-9E45-5C3E467DE3E2}"/>
+              </a:ext>
+            </a:extLst>
+          </p:cNvPr>
+          <p:cNvSpPr txBox="1"/>
+          <p:nvPr/>
+        </p:nvSpPr>
+        <p:spPr>
+          <a:xfrm>
+            <a:off x="326067" y="5496339"/>
+            <a:ext cx="1130438" cy="923330"/>
+          </a:xfrm>
+          <a:prstGeom prst="rect">
+            <a:avLst/>
+          </a:prstGeom>
+          <a:noFill/>
+        </p:spPr>
+        <p:txBody>
+          <a:bodyPr wrap="none" rtlCol="0">
+            <a:spAutoFit/>
+          </a:bodyPr>
+          <a:lstStyle/>
+          <a:p>
+            <a:r>
+              <a:rPr lang="en-US" dirty="0"/>
+              <a:t>P &lt; 0.001</a:t>
+            </a:r>
+          </a:p>
+          <a:p>
+            <a:r>
+              <a:rPr lang="en-US" dirty="0"/>
+              <a:t>X</a:t>
+            </a:r>
+            <a:r>
+              <a:rPr lang="en-US" baseline="30000" dirty="0"/>
+              <a:t>2</a:t>
+            </a:r>
+            <a:r>
+              <a:rPr lang="en-US" dirty="0"/>
+              <a:t> = 34.46</a:t>
+            </a:r>
+          </a:p>
+          <a:p>
+            <a:r>
+              <a:rPr lang="en-US" dirty="0"/>
+              <a:t>R</a:t>
+            </a:r>
+            <a:r>
+              <a:rPr lang="en-US" baseline="30000" dirty="0"/>
+              <a:t>2</a:t>
+            </a:r>
+            <a:r>
+              <a:rPr lang="en-US" dirty="0"/>
+              <a:t> = 0.39</a:t>
+            </a:r>
+          </a:p>
+        </p:txBody>
+      </p:sp>
     </p:spTree>
     <p:extLst>
       <p:ext uri="{BB962C8B-B14F-4D97-AF65-F5344CB8AC3E}">
-        <p14:creationId xmlns:p14="http://schemas.microsoft.com/office/powerpoint/2010/main" val="2716882643"/>
+        <p14:creationId xmlns:p14="http://schemas.microsoft.com/office/powerpoint/2010/main" val="510787202"/>
       </p:ext>
     </p:extLst>
   </p:cSld>
@@ -4101,7 +4806,7 @@
             <a:pPr algn="ctr"/>
             <a:r>
               <a:rPr lang="en-US" sz="3200" dirty="0"/>
-              <a:t>Supp Fig1b. Mineral horizon SOC stock is related to root biomass, </a:t>
+              <a:t>Supp Fig1a. Mineral horizon SOC stock is related to root biomass, </a:t>
             </a:r>
             <a:br>
               <a:rPr lang="en-US" sz="3200" dirty="0"/>
@@ -4115,10 +4820,10 @@
       </p:sp>
       <p:pic>
         <p:nvPicPr>
-          <p:cNvPr id="4" name="Picture 3">
-            <a:extLst>
-              <a:ext uri="{FF2B5EF4-FFF2-40B4-BE49-F238E27FC236}">
-                <a16:creationId xmlns:a16="http://schemas.microsoft.com/office/drawing/2014/main" id="{0B05FBF5-42DC-CF46-8889-66E06CA22CD0}"/>
+          <p:cNvPr id="5" name="Picture 4">
+            <a:extLst>
+              <a:ext uri="{FF2B5EF4-FFF2-40B4-BE49-F238E27FC236}">
+                <a16:creationId xmlns:a16="http://schemas.microsoft.com/office/drawing/2014/main" id="{A8288CF3-E425-0341-BC9F-E0EF0680F6E3}"/>
               </a:ext>
             </a:extLst>
           </p:cNvPr>
@@ -4143,10 +4848,65 @@
           </a:prstGeom>
         </p:spPr>
       </p:pic>
+      <p:sp>
+        <p:nvSpPr>
+          <p:cNvPr id="3" name="TextBox 2">
+            <a:extLst>
+              <a:ext uri="{FF2B5EF4-FFF2-40B4-BE49-F238E27FC236}">
+                <a16:creationId xmlns:a16="http://schemas.microsoft.com/office/drawing/2014/main" id="{25EDD610-6256-C147-B057-86DB70709E40}"/>
+              </a:ext>
+            </a:extLst>
+          </p:cNvPr>
+          <p:cNvSpPr txBox="1"/>
+          <p:nvPr/>
+        </p:nvSpPr>
+        <p:spPr>
+          <a:xfrm>
+            <a:off x="410221" y="5506278"/>
+            <a:ext cx="1168910" cy="923330"/>
+          </a:xfrm>
+          <a:prstGeom prst="rect">
+            <a:avLst/>
+          </a:prstGeom>
+          <a:noFill/>
+        </p:spPr>
+        <p:txBody>
+          <a:bodyPr wrap="none" rtlCol="0">
+            <a:spAutoFit/>
+          </a:bodyPr>
+          <a:lstStyle/>
+          <a:p>
+            <a:r>
+              <a:rPr lang="en-US" dirty="0"/>
+              <a:t>P = 0.003</a:t>
+            </a:r>
+          </a:p>
+          <a:p>
+            <a:r>
+              <a:rPr lang="en-US" dirty="0"/>
+              <a:t>X2 = 19.44</a:t>
+            </a:r>
+          </a:p>
+          <a:p>
+            <a:r>
+              <a:rPr lang="en-US" dirty="0"/>
+              <a:t>R</a:t>
+            </a:r>
+            <a:r>
+              <a:rPr lang="en-US" baseline="30000" dirty="0"/>
+              <a:t>2</a:t>
+            </a:r>
+            <a:r>
+              <a:rPr lang="en-US" dirty="0"/>
+              <a:t> = 0.30</a:t>
+            </a:r>
+          </a:p>
+        </p:txBody>
+      </p:sp>
     </p:spTree>
     <p:extLst>
       <p:ext uri="{BB962C8B-B14F-4D97-AF65-F5344CB8AC3E}">
-        <p14:creationId xmlns:p14="http://schemas.microsoft.com/office/powerpoint/2010/main" val="3280964689"/>
+        <p14:creationId xmlns:p14="http://schemas.microsoft.com/office/powerpoint/2010/main" val="2716882643"/>
       </p:ext>
     </p:extLst>
   </p:cSld>
@@ -4197,14 +4957,21 @@
         </p:spPr>
         <p:txBody>
           <a:bodyPr>
-            <a:normAutofit/>
+            <a:normAutofit fontScale="90000"/>
           </a:bodyPr>
           <a:lstStyle/>
           <a:p>
             <a:pPr algn="ctr"/>
             <a:r>
               <a:rPr lang="en-US" sz="3200" dirty="0"/>
-              <a:t>Fig 2. The relationship between root biomass and SOC varies between organic and mineral horizons</a:t>
+              <a:t>Supp Fig1b. Mineral horizon SOC stock is related to root biomass, </a:t>
+            </a:r>
+            <a:br>
+              <a:rPr lang="en-US" sz="3200" dirty="0"/>
+            </a:br>
+            <a:r>
+              <a:rPr lang="en-US" sz="3200" dirty="0"/>
+              <a:t>land cover, MAT, and clay</a:t>
             </a:r>
           </a:p>
         </p:txBody>
@@ -4214,7 +4981,7 @@
           <p:cNvPr id="4" name="Picture 3">
             <a:extLst>
               <a:ext uri="{FF2B5EF4-FFF2-40B4-BE49-F238E27FC236}">
-                <a16:creationId xmlns:a16="http://schemas.microsoft.com/office/drawing/2014/main" id="{C7B33A76-17B9-204F-BD9F-D479D6A8AF12}"/>
+                <a16:creationId xmlns:a16="http://schemas.microsoft.com/office/drawing/2014/main" id="{0B05FBF5-42DC-CF46-8889-66E06CA22CD0}"/>
               </a:ext>
             </a:extLst>
           </p:cNvPr>
@@ -4239,10 +5006,65 @@
           </a:prstGeom>
         </p:spPr>
       </p:pic>
+      <p:sp>
+        <p:nvSpPr>
+          <p:cNvPr id="5" name="TextBox 4">
+            <a:extLst>
+              <a:ext uri="{FF2B5EF4-FFF2-40B4-BE49-F238E27FC236}">
+                <a16:creationId xmlns:a16="http://schemas.microsoft.com/office/drawing/2014/main" id="{4EA7B743-1515-A543-ABED-284663CBCAA6}"/>
+              </a:ext>
+            </a:extLst>
+          </p:cNvPr>
+          <p:cNvSpPr txBox="1"/>
+          <p:nvPr/>
+        </p:nvSpPr>
+        <p:spPr>
+          <a:xfrm>
+            <a:off x="410221" y="5506278"/>
+            <a:ext cx="1168910" cy="923330"/>
+          </a:xfrm>
+          <a:prstGeom prst="rect">
+            <a:avLst/>
+          </a:prstGeom>
+          <a:noFill/>
+        </p:spPr>
+        <p:txBody>
+          <a:bodyPr wrap="none" rtlCol="0">
+            <a:spAutoFit/>
+          </a:bodyPr>
+          <a:lstStyle/>
+          <a:p>
+            <a:r>
+              <a:rPr lang="en-US" dirty="0"/>
+              <a:t>P = 0.003</a:t>
+            </a:r>
+          </a:p>
+          <a:p>
+            <a:r>
+              <a:rPr lang="en-US" dirty="0"/>
+              <a:t>X2 = 19.44</a:t>
+            </a:r>
+          </a:p>
+          <a:p>
+            <a:r>
+              <a:rPr lang="en-US" dirty="0"/>
+              <a:t>R</a:t>
+            </a:r>
+            <a:r>
+              <a:rPr lang="en-US" baseline="30000" dirty="0"/>
+              <a:t>2</a:t>
+            </a:r>
+            <a:r>
+              <a:rPr lang="en-US" dirty="0"/>
+              <a:t> = 0.30</a:t>
+            </a:r>
+          </a:p>
+        </p:txBody>
+      </p:sp>
     </p:spTree>
     <p:extLst>
       <p:ext uri="{BB962C8B-B14F-4D97-AF65-F5344CB8AC3E}">
-        <p14:creationId xmlns:p14="http://schemas.microsoft.com/office/powerpoint/2010/main" val="189080129"/>
+        <p14:creationId xmlns:p14="http://schemas.microsoft.com/office/powerpoint/2010/main" val="3280964689"/>
       </p:ext>
     </p:extLst>
   </p:cSld>
@@ -4307,10 +5129,10 @@
       </p:sp>
       <p:pic>
         <p:nvPicPr>
-          <p:cNvPr id="5" name="Picture 4">
-            <a:extLst>
-              <a:ext uri="{FF2B5EF4-FFF2-40B4-BE49-F238E27FC236}">
-                <a16:creationId xmlns:a16="http://schemas.microsoft.com/office/drawing/2014/main" id="{70B3CEC7-D3C7-E747-A8D9-C537778B0CD4}"/>
+          <p:cNvPr id="4" name="Picture 3">
+            <a:extLst>
+              <a:ext uri="{FF2B5EF4-FFF2-40B4-BE49-F238E27FC236}">
+                <a16:creationId xmlns:a16="http://schemas.microsoft.com/office/drawing/2014/main" id="{C7B33A76-17B9-204F-BD9F-D479D6A8AF12}"/>
               </a:ext>
             </a:extLst>
           </p:cNvPr>
@@ -4327,18 +5149,59 @@
         </p:blipFill>
         <p:spPr>
           <a:xfrm>
-            <a:off x="1049066" y="0"/>
-            <a:ext cx="10093868" cy="6858000"/>
+            <a:off x="2058453" y="1371600"/>
+            <a:ext cx="8075094" cy="5486400"/>
           </a:xfrm>
           <a:prstGeom prst="rect">
             <a:avLst/>
           </a:prstGeom>
         </p:spPr>
       </p:pic>
+      <p:sp>
+        <p:nvSpPr>
+          <p:cNvPr id="3" name="TextBox 2">
+            <a:extLst>
+              <a:ext uri="{FF2B5EF4-FFF2-40B4-BE49-F238E27FC236}">
+                <a16:creationId xmlns:a16="http://schemas.microsoft.com/office/drawing/2014/main" id="{5C44622B-201F-FF45-853B-1C48711CF4D5}"/>
+              </a:ext>
+            </a:extLst>
+          </p:cNvPr>
+          <p:cNvSpPr txBox="1"/>
+          <p:nvPr/>
+        </p:nvSpPr>
+        <p:spPr>
+          <a:xfrm>
+            <a:off x="427383" y="5406887"/>
+            <a:ext cx="1050288" cy="646331"/>
+          </a:xfrm>
+          <a:prstGeom prst="rect">
+            <a:avLst/>
+          </a:prstGeom>
+          <a:noFill/>
+        </p:spPr>
+        <p:txBody>
+          <a:bodyPr wrap="none" rtlCol="0">
+            <a:spAutoFit/>
+          </a:bodyPr>
+          <a:lstStyle/>
+          <a:p>
+            <a:r>
+              <a:rPr lang="en-US" dirty="0"/>
+              <a:t>P = 0.001</a:t>
+            </a:r>
+          </a:p>
+          <a:p>
+            <a:r>
+              <a:rPr lang="en-US" dirty="0"/>
+              <a:t>t = 3.85</a:t>
+            </a:r>
+          </a:p>
+        </p:txBody>
+      </p:sp>
     </p:spTree>
     <p:extLst>
       <p:ext uri="{BB962C8B-B14F-4D97-AF65-F5344CB8AC3E}">
-        <p14:creationId xmlns:p14="http://schemas.microsoft.com/office/powerpoint/2010/main" val="1337129637"/>
+        <p14:creationId xmlns:p14="http://schemas.microsoft.com/office/powerpoint/2010/main" val="189080129"/>
       </p:ext>
     </p:extLst>
   </p:cSld>
@@ -4365,40 +5228,124 @@
           <a:chExt cx="0" cy="0"/>
         </a:xfrm>
       </p:grpSpPr>
-      <p:pic>
-        <p:nvPicPr>
-          <p:cNvPr id="3" name="Picture 2">
-            <a:extLst>
-              <a:ext uri="{FF2B5EF4-FFF2-40B4-BE49-F238E27FC236}">
-                <a16:creationId xmlns:a16="http://schemas.microsoft.com/office/drawing/2014/main" id="{0886B2C3-F6FE-AC4C-B349-8CD105797EE5}"/>
-              </a:ext>
-            </a:extLst>
-          </p:cNvPr>
-          <p:cNvPicPr>
-            <a:picLocks noChangeAspect="1"/>
-          </p:cNvPicPr>
-          <p:nvPr/>
-        </p:nvPicPr>
-        <p:blipFill>
-          <a:blip r:embed="rId2"/>
-          <a:stretch>
-            <a:fillRect/>
-          </a:stretch>
-        </p:blipFill>
-        <p:spPr>
-          <a:xfrm>
-            <a:off x="1049066" y="0"/>
-            <a:ext cx="10093868" cy="6858000"/>
-          </a:xfrm>
-          <a:prstGeom prst="rect">
-            <a:avLst/>
-          </a:prstGeom>
-        </p:spPr>
-      </p:pic>
+      <p:sp>
+        <p:nvSpPr>
+          <p:cNvPr id="2" name="Title 1">
+            <a:extLst>
+              <a:ext uri="{FF2B5EF4-FFF2-40B4-BE49-F238E27FC236}">
+                <a16:creationId xmlns:a16="http://schemas.microsoft.com/office/drawing/2014/main" id="{79A8D145-E57C-024D-AC12-51D8FF4F0964}"/>
+              </a:ext>
+            </a:extLst>
+          </p:cNvPr>
+          <p:cNvSpPr>
+            <a:spLocks noGrp="1"/>
+          </p:cNvSpPr>
+          <p:nvPr>
+            <p:ph type="title"/>
+          </p:nvPr>
+        </p:nvSpPr>
+        <p:spPr/>
+        <p:txBody>
+          <a:bodyPr>
+            <a:normAutofit/>
+          </a:bodyPr>
+          <a:lstStyle/>
+          <a:p>
+            <a:r>
+              <a:rPr lang="en-US" dirty="0"/>
+              <a:t>Is SOC a function of root biomass? What factors govern this relationship?</a:t>
+            </a:r>
+          </a:p>
+        </p:txBody>
+      </p:sp>
+      <p:sp>
+        <p:nvSpPr>
+          <p:cNvPr id="3" name="Content Placeholder 2">
+            <a:extLst>
+              <a:ext uri="{FF2B5EF4-FFF2-40B4-BE49-F238E27FC236}">
+                <a16:creationId xmlns:a16="http://schemas.microsoft.com/office/drawing/2014/main" id="{A5FC3E76-200D-904B-9677-0D4B4656BA28}"/>
+              </a:ext>
+            </a:extLst>
+          </p:cNvPr>
+          <p:cNvSpPr>
+            <a:spLocks noGrp="1"/>
+          </p:cNvSpPr>
+          <p:nvPr>
+            <p:ph idx="1"/>
+          </p:nvPr>
+        </p:nvSpPr>
+        <p:spPr/>
+        <p:txBody>
+          <a:bodyPr/>
+          <a:lstStyle/>
+          <a:p>
+            <a:pPr marL="514350" indent="-514350">
+              <a:buFont typeface="+mj-lt"/>
+              <a:buAutoNum type="arabicPeriod"/>
+            </a:pPr>
+            <a:r>
+              <a:rPr lang="en-US" dirty="0">
+                <a:solidFill>
+                  <a:schemeClr val="accent3"/>
+                </a:solidFill>
+              </a:rPr>
+              <a:t>Is whole-profile SOC a function of root biomass?</a:t>
+            </a:r>
+          </a:p>
+          <a:p>
+            <a:pPr marL="971550" lvl="1" indent="-514350">
+              <a:buFont typeface="+mj-lt"/>
+              <a:buAutoNum type="alphaLcPeriod"/>
+            </a:pPr>
+            <a:r>
+              <a:rPr lang="en-US" dirty="0">
+                <a:solidFill>
+                  <a:schemeClr val="accent3"/>
+                </a:solidFill>
+              </a:rPr>
+              <a:t>Does the function vary among landcover types, horizon, climate, or edaphic properties?</a:t>
+            </a:r>
+          </a:p>
+          <a:p>
+            <a:pPr marL="971550" lvl="1" indent="-514350">
+              <a:buFont typeface="+mj-lt"/>
+              <a:buAutoNum type="alphaLcPeriod"/>
+            </a:pPr>
+            <a:endParaRPr lang="en-US" dirty="0"/>
+          </a:p>
+          <a:p>
+            <a:pPr marL="971550" lvl="1" indent="-514350">
+              <a:buFont typeface="+mj-lt"/>
+              <a:buAutoNum type="alphaLcPeriod"/>
+            </a:pPr>
+            <a:endParaRPr lang="en-US" dirty="0"/>
+          </a:p>
+          <a:p>
+            <a:pPr marL="514350" indent="-514350">
+              <a:buFont typeface="+mj-lt"/>
+              <a:buAutoNum type="arabicPeriod"/>
+            </a:pPr>
+            <a:r>
+              <a:rPr lang="en-US" dirty="0"/>
+              <a:t>Does SOC and root biomass accumulate through the soil profile similarly (i.e., beta coefficients are similar)?</a:t>
+            </a:r>
+          </a:p>
+          <a:p>
+            <a:pPr marL="971550" lvl="1" indent="-514350">
+              <a:buFont typeface="+mj-lt"/>
+              <a:buAutoNum type="alphaLcPeriod"/>
+            </a:pPr>
+            <a:r>
+              <a:rPr lang="en-US" dirty="0"/>
+              <a:t>Does the beta correlation vary among landcover types, horizon, climate, or edaphic properties?</a:t>
+            </a:r>
+          </a:p>
+        </p:txBody>
+      </p:sp>
     </p:spTree>
     <p:extLst>
       <p:ext uri="{BB962C8B-B14F-4D97-AF65-F5344CB8AC3E}">
-        <p14:creationId xmlns:p14="http://schemas.microsoft.com/office/powerpoint/2010/main" val="2386145492"/>
+        <p14:creationId xmlns:p14="http://schemas.microsoft.com/office/powerpoint/2010/main" val="3525848174"/>
       </p:ext>
     </p:extLst>
   </p:cSld>
@@ -4463,10 +5410,10 @@
       </p:sp>
       <p:pic>
         <p:nvPicPr>
-          <p:cNvPr id="4" name="Picture 3">
-            <a:extLst>
-              <a:ext uri="{FF2B5EF4-FFF2-40B4-BE49-F238E27FC236}">
-                <a16:creationId xmlns:a16="http://schemas.microsoft.com/office/drawing/2014/main" id="{C7B33A76-17B9-204F-BD9F-D479D6A8AF12}"/>
+          <p:cNvPr id="5" name="Picture 4">
+            <a:extLst>
+              <a:ext uri="{FF2B5EF4-FFF2-40B4-BE49-F238E27FC236}">
+                <a16:creationId xmlns:a16="http://schemas.microsoft.com/office/drawing/2014/main" id="{70B3CEC7-D3C7-E747-A8D9-C537778B0CD4}"/>
               </a:ext>
             </a:extLst>
           </p:cNvPr>
@@ -4483,18 +5430,59 @@
         </p:blipFill>
         <p:spPr>
           <a:xfrm>
-            <a:off x="2058453" y="1371600"/>
-            <a:ext cx="8075094" cy="5486400"/>
+            <a:off x="1049066" y="0"/>
+            <a:ext cx="10093868" cy="6858000"/>
           </a:xfrm>
           <a:prstGeom prst="rect">
             <a:avLst/>
           </a:prstGeom>
         </p:spPr>
       </p:pic>
+      <p:sp>
+        <p:nvSpPr>
+          <p:cNvPr id="3" name="TextBox 2">
+            <a:extLst>
+              <a:ext uri="{FF2B5EF4-FFF2-40B4-BE49-F238E27FC236}">
+                <a16:creationId xmlns:a16="http://schemas.microsoft.com/office/drawing/2014/main" id="{FD3D0E5B-EA39-7745-AAAB-60101B01DD58}"/>
+              </a:ext>
+            </a:extLst>
+          </p:cNvPr>
+          <p:cNvSpPr txBox="1"/>
+          <p:nvPr/>
+        </p:nvSpPr>
+        <p:spPr>
+          <a:xfrm>
+            <a:off x="6281530" y="5516217"/>
+            <a:ext cx="1347933" cy="646331"/>
+          </a:xfrm>
+          <a:prstGeom prst="rect">
+            <a:avLst/>
+          </a:prstGeom>
+          <a:noFill/>
+        </p:spPr>
+        <p:txBody>
+          <a:bodyPr wrap="none" rtlCol="0">
+            <a:spAutoFit/>
+          </a:bodyPr>
+          <a:lstStyle/>
+          <a:p>
+            <a:r>
+              <a:rPr lang="en-US" dirty="0"/>
+              <a:t>Solid = roots</a:t>
+            </a:r>
+          </a:p>
+          <a:p>
+            <a:r>
+              <a:rPr lang="en-US" dirty="0"/>
+              <a:t>Open = SOC</a:t>
+            </a:r>
+          </a:p>
+        </p:txBody>
+      </p:sp>
     </p:spTree>
     <p:extLst>
       <p:ext uri="{BB962C8B-B14F-4D97-AF65-F5344CB8AC3E}">
-        <p14:creationId xmlns:p14="http://schemas.microsoft.com/office/powerpoint/2010/main" val="1600184563"/>
+        <p14:creationId xmlns:p14="http://schemas.microsoft.com/office/powerpoint/2010/main" val="1337129637"/>
       </p:ext>
     </p:extLst>
   </p:cSld>
@@ -4797,4 +5785,299 @@
     </a:ext>
   </a:extLst>
 </a:theme>
+</file>
+
+<file path=ppt/theme/theme2.xml><?xml version="1.0" encoding="utf-8"?>
+<a:theme xmlns:a="http://schemas.openxmlformats.org/drawingml/2006/main" name="Office Theme">
+  <a:themeElements>
+    <a:clrScheme name="Office">
+      <a:dk1>
+        <a:sysClr val="windowText" lastClr="000000"/>
+      </a:dk1>
+      <a:lt1>
+        <a:sysClr val="window" lastClr="FFFFFF"/>
+      </a:lt1>
+      <a:dk2>
+        <a:srgbClr val="44546A"/>
+      </a:dk2>
+      <a:lt2>
+        <a:srgbClr val="E7E6E6"/>
+      </a:lt2>
+      <a:accent1>
+        <a:srgbClr val="4472C4"/>
+      </a:accent1>
+      <a:accent2>
+        <a:srgbClr val="ED7D31"/>
+      </a:accent2>
+      <a:accent3>
+        <a:srgbClr val="A5A5A5"/>
+      </a:accent3>
+      <a:accent4>
+        <a:srgbClr val="FFC000"/>
+      </a:accent4>
+      <a:accent5>
+        <a:srgbClr val="5B9BD5"/>
+      </a:accent5>
+      <a:accent6>
+        <a:srgbClr val="70AD47"/>
+      </a:accent6>
+      <a:hlink>
+        <a:srgbClr val="0563C1"/>
+      </a:hlink>
+      <a:folHlink>
+        <a:srgbClr val="954F72"/>
+      </a:folHlink>
+    </a:clrScheme>
+    <a:fontScheme name="Office">
+      <a:majorFont>
+        <a:latin typeface="Calibri Light" panose="020F0302020204030204"/>
+        <a:ea typeface=""/>
+        <a:cs typeface=""/>
+        <a:font script="Jpan" typeface="游ゴシック Light"/>
+        <a:font script="Hang" typeface="맑은 고딕"/>
+        <a:font script="Hans" typeface="等线 Light"/>
+        <a:font script="Hant" typeface="新細明體"/>
+        <a:font script="Arab" typeface="Times New Roman"/>
+        <a:font script="Hebr" typeface="Times New Roman"/>
+        <a:font script="Thai" typeface="Angsana New"/>
+        <a:font script="Ethi" typeface="Nyala"/>
+        <a:font script="Beng" typeface="Vrinda"/>
+        <a:font script="Gujr" typeface="Shruti"/>
+        <a:font script="Khmr" typeface="MoolBoran"/>
+        <a:font script="Knda" typeface="Tunga"/>
+        <a:font script="Guru" typeface="Raavi"/>
+        <a:font script="Cans" typeface="Euphemia"/>
+        <a:font script="Cher" typeface="Plantagenet Cherokee"/>
+        <a:font script="Yiii" typeface="Microsoft Yi Baiti"/>
+        <a:font script="Tibt" typeface="Microsoft Himalaya"/>
+        <a:font script="Thaa" typeface="MV Boli"/>
+        <a:font script="Deva" typeface="Mangal"/>
+        <a:font script="Telu" typeface="Gautami"/>
+        <a:font script="Taml" typeface="Latha"/>
+        <a:font script="Syrc" typeface="Estrangelo Edessa"/>
+        <a:font script="Orya" typeface="Kalinga"/>
+        <a:font script="Mlym" typeface="Kartika"/>
+        <a:font script="Laoo" typeface="DokChampa"/>
+        <a:font script="Sinh" typeface="Iskoola Pota"/>
+        <a:font script="Mong" typeface="Mongolian Baiti"/>
+        <a:font script="Viet" typeface="Times New Roman"/>
+        <a:font script="Uigh" typeface="Microsoft Uighur"/>
+        <a:font script="Geor" typeface="Sylfaen"/>
+        <a:font script="Armn" typeface="Arial"/>
+        <a:font script="Bugi" typeface="Leelawadee UI"/>
+        <a:font script="Bopo" typeface="Microsoft JhengHei"/>
+        <a:font script="Java" typeface="Javanese Text"/>
+        <a:font script="Lisu" typeface="Segoe UI"/>
+        <a:font script="Mymr" typeface="Myanmar Text"/>
+        <a:font script="Nkoo" typeface="Ebrima"/>
+        <a:font script="Olck" typeface="Nirmala UI"/>
+        <a:font script="Osma" typeface="Ebrima"/>
+        <a:font script="Phag" typeface="Phagspa"/>
+        <a:font script="Syrn" typeface="Estrangelo Edessa"/>
+        <a:font script="Syrj" typeface="Estrangelo Edessa"/>
+        <a:font script="Syre" typeface="Estrangelo Edessa"/>
+        <a:font script="Sora" typeface="Nirmala UI"/>
+        <a:font script="Tale" typeface="Microsoft Tai Le"/>
+        <a:font script="Talu" typeface="Microsoft New Tai Lue"/>
+        <a:font script="Tfng" typeface="Ebrima"/>
+      </a:majorFont>
+      <a:minorFont>
+        <a:latin typeface="Calibri" panose="020F0502020204030204"/>
+        <a:ea typeface=""/>
+        <a:cs typeface=""/>
+        <a:font script="Jpan" typeface="游ゴシック"/>
+        <a:font script="Hang" typeface="맑은 고딕"/>
+        <a:font script="Hans" typeface="等线"/>
+        <a:font script="Hant" typeface="新細明體"/>
+        <a:font script="Arab" typeface="Arial"/>
+        <a:font script="Hebr" typeface="Arial"/>
+        <a:font script="Thai" typeface="Cordia New"/>
+        <a:font script="Ethi" typeface="Nyala"/>
+        <a:font script="Beng" typeface="Vrinda"/>
+        <a:font script="Gujr" typeface="Shruti"/>
+        <a:font script="Khmr" typeface="DaunPenh"/>
+        <a:font script="Knda" typeface="Tunga"/>
+        <a:font script="Guru" typeface="Raavi"/>
+        <a:font script="Cans" typeface="Euphemia"/>
+        <a:font script="Cher" typeface="Plantagenet Cherokee"/>
+        <a:font script="Yiii" typeface="Microsoft Yi Baiti"/>
+        <a:font script="Tibt" typeface="Microsoft Himalaya"/>
+        <a:font script="Thaa" typeface="MV Boli"/>
+        <a:font script="Deva" typeface="Mangal"/>
+        <a:font script="Telu" typeface="Gautami"/>
+        <a:font script="Taml" typeface="Latha"/>
+        <a:font script="Syrc" typeface="Estrangelo Edessa"/>
+        <a:font script="Orya" typeface="Kalinga"/>
+        <a:font script="Mlym" typeface="Kartika"/>
+        <a:font script="Laoo" typeface="DokChampa"/>
+        <a:font script="Sinh" typeface="Iskoola Pota"/>
+        <a:font script="Mong" typeface="Mongolian Baiti"/>
+        <a:font script="Viet" typeface="Arial"/>
+        <a:font script="Uigh" typeface="Microsoft Uighur"/>
+        <a:font script="Geor" typeface="Sylfaen"/>
+        <a:font script="Armn" typeface="Arial"/>
+        <a:font script="Bugi" typeface="Leelawadee UI"/>
+        <a:font script="Bopo" typeface="Microsoft JhengHei"/>
+        <a:font script="Java" typeface="Javanese Text"/>
+        <a:font script="Lisu" typeface="Segoe UI"/>
+        <a:font script="Mymr" typeface="Myanmar Text"/>
+        <a:font script="Nkoo" typeface="Ebrima"/>
+        <a:font script="Olck" typeface="Nirmala UI"/>
+        <a:font script="Osma" typeface="Ebrima"/>
+        <a:font script="Phag" typeface="Phagspa"/>
+        <a:font script="Syrn" typeface="Estrangelo Edessa"/>
+        <a:font script="Syrj" typeface="Estrangelo Edessa"/>
+        <a:font script="Syre" typeface="Estrangelo Edessa"/>
+        <a:font script="Sora" typeface="Nirmala UI"/>
+        <a:font script="Tale" typeface="Microsoft Tai Le"/>
+        <a:font script="Talu" typeface="Microsoft New Tai Lue"/>
+        <a:font script="Tfng" typeface="Ebrima"/>
+      </a:minorFont>
+    </a:fontScheme>
+    <a:fmtScheme name="Office">
+      <a:fillStyleLst>
+        <a:solidFill>
+          <a:schemeClr val="phClr"/>
+        </a:solidFill>
+        <a:gradFill rotWithShape="1">
+          <a:gsLst>
+            <a:gs pos="0">
+              <a:schemeClr val="phClr">
+                <a:lumMod val="110000"/>
+                <a:satMod val="105000"/>
+                <a:tint val="67000"/>
+              </a:schemeClr>
+            </a:gs>
+            <a:gs pos="50000">
+              <a:schemeClr val="phClr">
+                <a:lumMod val="105000"/>
+                <a:satMod val="103000"/>
+                <a:tint val="73000"/>
+              </a:schemeClr>
+            </a:gs>
+            <a:gs pos="100000">
+              <a:schemeClr val="phClr">
+                <a:lumMod val="105000"/>
+                <a:satMod val="109000"/>
+                <a:tint val="81000"/>
+              </a:schemeClr>
+            </a:gs>
+          </a:gsLst>
+          <a:lin ang="5400000" scaled="0"/>
+        </a:gradFill>
+        <a:gradFill rotWithShape="1">
+          <a:gsLst>
+            <a:gs pos="0">
+              <a:schemeClr val="phClr">
+                <a:satMod val="103000"/>
+                <a:lumMod val="102000"/>
+                <a:tint val="94000"/>
+              </a:schemeClr>
+            </a:gs>
+            <a:gs pos="50000">
+              <a:schemeClr val="phClr">
+                <a:satMod val="110000"/>
+                <a:lumMod val="100000"/>
+                <a:shade val="100000"/>
+              </a:schemeClr>
+            </a:gs>
+            <a:gs pos="100000">
+              <a:schemeClr val="phClr">
+                <a:lumMod val="99000"/>
+                <a:satMod val="120000"/>
+                <a:shade val="78000"/>
+              </a:schemeClr>
+            </a:gs>
+          </a:gsLst>
+          <a:lin ang="5400000" scaled="0"/>
+        </a:gradFill>
+      </a:fillStyleLst>
+      <a:lnStyleLst>
+        <a:ln w="6350" cap="flat" cmpd="sng" algn="ctr">
+          <a:solidFill>
+            <a:schemeClr val="phClr"/>
+          </a:solidFill>
+          <a:prstDash val="solid"/>
+          <a:miter lim="800000"/>
+        </a:ln>
+        <a:ln w="12700" cap="flat" cmpd="sng" algn="ctr">
+          <a:solidFill>
+            <a:schemeClr val="phClr"/>
+          </a:solidFill>
+          <a:prstDash val="solid"/>
+          <a:miter lim="800000"/>
+        </a:ln>
+        <a:ln w="19050" cap="flat" cmpd="sng" algn="ctr">
+          <a:solidFill>
+            <a:schemeClr val="phClr"/>
+          </a:solidFill>
+          <a:prstDash val="solid"/>
+          <a:miter lim="800000"/>
+        </a:ln>
+      </a:lnStyleLst>
+      <a:effectStyleLst>
+        <a:effectStyle>
+          <a:effectLst/>
+        </a:effectStyle>
+        <a:effectStyle>
+          <a:effectLst/>
+        </a:effectStyle>
+        <a:effectStyle>
+          <a:effectLst>
+            <a:outerShdw blurRad="57150" dist="19050" dir="5400000" algn="ctr" rotWithShape="0">
+              <a:srgbClr val="000000">
+                <a:alpha val="63000"/>
+              </a:srgbClr>
+            </a:outerShdw>
+          </a:effectLst>
+        </a:effectStyle>
+      </a:effectStyleLst>
+      <a:bgFillStyleLst>
+        <a:solidFill>
+          <a:schemeClr val="phClr"/>
+        </a:solidFill>
+        <a:solidFill>
+          <a:schemeClr val="phClr">
+            <a:tint val="95000"/>
+            <a:satMod val="170000"/>
+          </a:schemeClr>
+        </a:solidFill>
+        <a:gradFill rotWithShape="1">
+          <a:gsLst>
+            <a:gs pos="0">
+              <a:schemeClr val="phClr">
+                <a:tint val="93000"/>
+                <a:satMod val="150000"/>
+                <a:shade val="98000"/>
+                <a:lumMod val="102000"/>
+              </a:schemeClr>
+            </a:gs>
+            <a:gs pos="50000">
+              <a:schemeClr val="phClr">
+                <a:tint val="98000"/>
+                <a:satMod val="130000"/>
+                <a:shade val="90000"/>
+                <a:lumMod val="103000"/>
+              </a:schemeClr>
+            </a:gs>
+            <a:gs pos="100000">
+              <a:schemeClr val="phClr">
+                <a:shade val="63000"/>
+                <a:satMod val="120000"/>
+              </a:schemeClr>
+            </a:gs>
+          </a:gsLst>
+          <a:lin ang="5400000" scaled="0"/>
+        </a:gradFill>
+      </a:bgFillStyleLst>
+    </a:fmtScheme>
+  </a:themeElements>
+  <a:objectDefaults/>
+  <a:extraClrSchemeLst/>
+  <a:extLst>
+    <a:ext uri="{05A4C25C-085E-4340-85A3-A5531E510DB2}">
+      <thm15:themeFamily xmlns:thm15="http://schemas.microsoft.com/office/thememl/2012/main" name="Office Theme" id="{62F939B6-93AF-4DB8-9C6B-D6C7DFDC589F}" vid="{4A3C46E8-61CC-4603-A589-7422A47A8E4A}"/>
+    </a:ext>
+  </a:extLst>
+</a:theme>
 </file>